--- a/Team27_PostSimulationAnalysis.pptx
+++ b/Team27_PostSimulationAnalysis.pptx
@@ -5,10 +5,13 @@
     <p:sldMasterId id="2147483648" r:id="rId1"/>
   </p:sldMasterIdLst>
   <p:notesMasterIdLst>
-    <p:notesMasterId r:id="rId3"/>
+    <p:notesMasterId r:id="rId6"/>
   </p:notesMasterIdLst>
   <p:sldIdLst>
     <p:sldId id="256" r:id="rId2"/>
+    <p:sldId id="257" r:id="rId3"/>
+    <p:sldId id="258" r:id="rId4"/>
+    <p:sldId id="259" r:id="rId5"/>
   </p:sldIdLst>
   <p:sldSz cx="12192000" cy="6858000"/>
   <p:notesSz cx="6858000" cy="9144000"/>
@@ -107,6 +110,11 @@
       </a:defRPr>
     </a:lvl9pPr>
   </p:defaultTextStyle>
+  <p:extLst>
+    <p:ext uri="{EFAFB233-063F-42B5-8137-9DF3F51BA10A}">
+      <p15:sldGuideLst xmlns:p15="http://schemas.microsoft.com/office/powerpoint/2012/main"/>
+    </p:ext>
+  </p:extLst>
 </p:presentation>
 </file>
 
@@ -3823,6 +3831,345 @@
     <p:extLst>
       <p:ext uri="{BB962C8B-B14F-4D97-AF65-F5344CB8AC3E}">
         <p14:creationId xmlns:p14="http://schemas.microsoft.com/office/powerpoint/2010/main" val="3317326091"/>
+      </p:ext>
+    </p:extLst>
+  </p:cSld>
+  <p:clrMapOvr>
+    <a:masterClrMapping/>
+  </p:clrMapOvr>
+</p:sld>
+</file>
+
+<file path=ppt/slides/slide2.xml><?xml version="1.0" encoding="utf-8"?>
+<p:sld xmlns:a="http://schemas.openxmlformats.org/drawingml/2006/main" xmlns:r="http://schemas.openxmlformats.org/officeDocument/2006/relationships" xmlns:p="http://schemas.openxmlformats.org/presentationml/2006/main">
+  <p:cSld>
+    <p:spTree>
+      <p:nvGrpSpPr>
+        <p:cNvPr id="1" name=""/>
+        <p:cNvGrpSpPr/>
+        <p:nvPr/>
+      </p:nvGrpSpPr>
+      <p:grpSpPr>
+        <a:xfrm>
+          <a:off x="0" y="0"/>
+          <a:ext cx="0" cy="0"/>
+          <a:chOff x="0" y="0"/>
+          <a:chExt cx="0" cy="0"/>
+        </a:xfrm>
+      </p:grpSpPr>
+      <p:sp>
+        <p:nvSpPr>
+          <p:cNvPr id="2" name="Title 1">
+            <a:extLst>
+              <a:ext uri="{FF2B5EF4-FFF2-40B4-BE49-F238E27FC236}">
+                <a16:creationId xmlns:a16="http://schemas.microsoft.com/office/drawing/2014/main" id="{B5C97491-C3DB-4E30-BFF0-8FD82375E3CE}"/>
+              </a:ext>
+            </a:extLst>
+          </p:cNvPr>
+          <p:cNvSpPr>
+            <a:spLocks noGrp="1"/>
+          </p:cNvSpPr>
+          <p:nvPr>
+            <p:ph type="title"/>
+          </p:nvPr>
+        </p:nvSpPr>
+        <p:spPr/>
+        <p:txBody>
+          <a:bodyPr/>
+          <a:lstStyle/>
+          <a:p>
+            <a:r>
+              <a:rPr lang="en-US" dirty="0"/>
+              <a:t>About Us</a:t>
+            </a:r>
+          </a:p>
+        </p:txBody>
+      </p:sp>
+      <p:sp>
+        <p:nvSpPr>
+          <p:cNvPr id="3" name="Content Placeholder 2">
+            <a:extLst>
+              <a:ext uri="{FF2B5EF4-FFF2-40B4-BE49-F238E27FC236}">
+                <a16:creationId xmlns:a16="http://schemas.microsoft.com/office/drawing/2014/main" id="{A47048BE-FBB0-4F0D-A29D-E4850B7552F0}"/>
+              </a:ext>
+            </a:extLst>
+          </p:cNvPr>
+          <p:cNvSpPr>
+            <a:spLocks noGrp="1"/>
+          </p:cNvSpPr>
+          <p:nvPr>
+            <p:ph idx="1"/>
+          </p:nvPr>
+        </p:nvSpPr>
+        <p:spPr/>
+        <p:txBody>
+          <a:bodyPr/>
+          <a:lstStyle/>
+          <a:p>
+            <a:endParaRPr lang="en-US"/>
+          </a:p>
+        </p:txBody>
+      </p:sp>
+      <p:sp>
+        <p:nvSpPr>
+          <p:cNvPr id="4" name="Slide Number Placeholder 3">
+            <a:extLst>
+              <a:ext uri="{FF2B5EF4-FFF2-40B4-BE49-F238E27FC236}">
+                <a16:creationId xmlns:a16="http://schemas.microsoft.com/office/drawing/2014/main" id="{3D64BD61-FA37-42BA-95AC-0038D6A5C6B2}"/>
+              </a:ext>
+            </a:extLst>
+          </p:cNvPr>
+          <p:cNvSpPr>
+            <a:spLocks noGrp="1"/>
+          </p:cNvSpPr>
+          <p:nvPr>
+            <p:ph type="sldNum" sz="quarter" idx="12"/>
+          </p:nvPr>
+        </p:nvSpPr>
+        <p:spPr/>
+        <p:txBody>
+          <a:bodyPr/>
+          <a:lstStyle/>
+          <a:p>
+            <a:fld id="{35020B04-FACA-4270-81D7-2C6A40D53215}" type="slidenum">
+              <a:rPr lang="en-US" smtClean="0"/>
+              <a:pPr/>
+              <a:t>2</a:t>
+            </a:fld>
+            <a:endParaRPr lang="en-US"/>
+          </a:p>
+        </p:txBody>
+      </p:sp>
+    </p:spTree>
+    <p:extLst>
+      <p:ext uri="{BB962C8B-B14F-4D97-AF65-F5344CB8AC3E}">
+        <p14:creationId xmlns:p14="http://schemas.microsoft.com/office/powerpoint/2010/main" val="1883230328"/>
+      </p:ext>
+    </p:extLst>
+  </p:cSld>
+  <p:clrMapOvr>
+    <a:masterClrMapping/>
+  </p:clrMapOvr>
+</p:sld>
+</file>
+
+<file path=ppt/slides/slide3.xml><?xml version="1.0" encoding="utf-8"?>
+<p:sld xmlns:a="http://schemas.openxmlformats.org/drawingml/2006/main" xmlns:r="http://schemas.openxmlformats.org/officeDocument/2006/relationships" xmlns:p="http://schemas.openxmlformats.org/presentationml/2006/main">
+  <p:cSld>
+    <p:spTree>
+      <p:nvGrpSpPr>
+        <p:cNvPr id="1" name=""/>
+        <p:cNvGrpSpPr/>
+        <p:nvPr/>
+      </p:nvGrpSpPr>
+      <p:grpSpPr>
+        <a:xfrm>
+          <a:off x="0" y="0"/>
+          <a:ext cx="0" cy="0"/>
+          <a:chOff x="0" y="0"/>
+          <a:chExt cx="0" cy="0"/>
+        </a:xfrm>
+      </p:grpSpPr>
+      <p:sp>
+        <p:nvSpPr>
+          <p:cNvPr id="2" name="Title 1">
+            <a:extLst>
+              <a:ext uri="{FF2B5EF4-FFF2-40B4-BE49-F238E27FC236}">
+                <a16:creationId xmlns:a16="http://schemas.microsoft.com/office/drawing/2014/main" id="{55B08E0D-2CFE-493C-87ED-D43ECBAF89B7}"/>
+              </a:ext>
+            </a:extLst>
+          </p:cNvPr>
+          <p:cNvSpPr>
+            <a:spLocks noGrp="1"/>
+          </p:cNvSpPr>
+          <p:nvPr>
+            <p:ph type="title"/>
+          </p:nvPr>
+        </p:nvSpPr>
+        <p:spPr/>
+        <p:txBody>
+          <a:bodyPr/>
+          <a:lstStyle/>
+          <a:p>
+            <a:r>
+              <a:rPr lang="en-US" dirty="0"/>
+              <a:t>Our Performance</a:t>
+            </a:r>
+          </a:p>
+        </p:txBody>
+      </p:sp>
+      <p:sp>
+        <p:nvSpPr>
+          <p:cNvPr id="3" name="Content Placeholder 2">
+            <a:extLst>
+              <a:ext uri="{FF2B5EF4-FFF2-40B4-BE49-F238E27FC236}">
+                <a16:creationId xmlns:a16="http://schemas.microsoft.com/office/drawing/2014/main" id="{63AB06B8-A107-4B1E-8B1B-4E5CA6A4333C}"/>
+              </a:ext>
+            </a:extLst>
+          </p:cNvPr>
+          <p:cNvSpPr>
+            <a:spLocks noGrp="1"/>
+          </p:cNvSpPr>
+          <p:nvPr>
+            <p:ph idx="1"/>
+          </p:nvPr>
+        </p:nvSpPr>
+        <p:spPr/>
+        <p:txBody>
+          <a:bodyPr/>
+          <a:lstStyle/>
+          <a:p>
+            <a:endParaRPr lang="en-US"/>
+          </a:p>
+        </p:txBody>
+      </p:sp>
+      <p:sp>
+        <p:nvSpPr>
+          <p:cNvPr id="4" name="Slide Number Placeholder 3">
+            <a:extLst>
+              <a:ext uri="{FF2B5EF4-FFF2-40B4-BE49-F238E27FC236}">
+                <a16:creationId xmlns:a16="http://schemas.microsoft.com/office/drawing/2014/main" id="{AAFD0EDC-8CF2-4810-8DD6-FA5F657F2980}"/>
+              </a:ext>
+            </a:extLst>
+          </p:cNvPr>
+          <p:cNvSpPr>
+            <a:spLocks noGrp="1"/>
+          </p:cNvSpPr>
+          <p:nvPr>
+            <p:ph type="sldNum" sz="quarter" idx="12"/>
+          </p:nvPr>
+        </p:nvSpPr>
+        <p:spPr/>
+        <p:txBody>
+          <a:bodyPr/>
+          <a:lstStyle/>
+          <a:p>
+            <a:fld id="{35020B04-FACA-4270-81D7-2C6A40D53215}" type="slidenum">
+              <a:rPr lang="en-US" smtClean="0"/>
+              <a:pPr/>
+              <a:t>3</a:t>
+            </a:fld>
+            <a:endParaRPr lang="en-US"/>
+          </a:p>
+        </p:txBody>
+      </p:sp>
+    </p:spTree>
+    <p:extLst>
+      <p:ext uri="{BB962C8B-B14F-4D97-AF65-F5344CB8AC3E}">
+        <p14:creationId xmlns:p14="http://schemas.microsoft.com/office/powerpoint/2010/main" val="2165790438"/>
+      </p:ext>
+    </p:extLst>
+  </p:cSld>
+  <p:clrMapOvr>
+    <a:masterClrMapping/>
+  </p:clrMapOvr>
+</p:sld>
+</file>
+
+<file path=ppt/slides/slide4.xml><?xml version="1.0" encoding="utf-8"?>
+<p:sld xmlns:a="http://schemas.openxmlformats.org/drawingml/2006/main" xmlns:r="http://schemas.openxmlformats.org/officeDocument/2006/relationships" xmlns:p="http://schemas.openxmlformats.org/presentationml/2006/main">
+  <p:cSld>
+    <p:spTree>
+      <p:nvGrpSpPr>
+        <p:cNvPr id="1" name=""/>
+        <p:cNvGrpSpPr/>
+        <p:nvPr/>
+      </p:nvGrpSpPr>
+      <p:grpSpPr>
+        <a:xfrm>
+          <a:off x="0" y="0"/>
+          <a:ext cx="0" cy="0"/>
+          <a:chOff x="0" y="0"/>
+          <a:chExt cx="0" cy="0"/>
+        </a:xfrm>
+      </p:grpSpPr>
+      <p:sp>
+        <p:nvSpPr>
+          <p:cNvPr id="2" name="Title 1">
+            <a:extLst>
+              <a:ext uri="{FF2B5EF4-FFF2-40B4-BE49-F238E27FC236}">
+                <a16:creationId xmlns:a16="http://schemas.microsoft.com/office/drawing/2014/main" id="{4E32EE16-2BE3-4693-A288-4F4EC6E8174F}"/>
+              </a:ext>
+            </a:extLst>
+          </p:cNvPr>
+          <p:cNvSpPr>
+            <a:spLocks noGrp="1"/>
+          </p:cNvSpPr>
+          <p:nvPr>
+            <p:ph type="title"/>
+          </p:nvPr>
+        </p:nvSpPr>
+        <p:spPr/>
+        <p:txBody>
+          <a:bodyPr/>
+          <a:lstStyle/>
+          <a:p>
+            <a:r>
+              <a:rPr lang="en-US"/>
+              <a:t>Our Strategy</a:t>
+            </a:r>
+          </a:p>
+        </p:txBody>
+      </p:sp>
+      <p:sp>
+        <p:nvSpPr>
+          <p:cNvPr id="3" name="Content Placeholder 2">
+            <a:extLst>
+              <a:ext uri="{FF2B5EF4-FFF2-40B4-BE49-F238E27FC236}">
+                <a16:creationId xmlns:a16="http://schemas.microsoft.com/office/drawing/2014/main" id="{2641EF71-19DF-41AD-9670-E406A9DE4762}"/>
+              </a:ext>
+            </a:extLst>
+          </p:cNvPr>
+          <p:cNvSpPr>
+            <a:spLocks noGrp="1"/>
+          </p:cNvSpPr>
+          <p:nvPr>
+            <p:ph idx="1"/>
+          </p:nvPr>
+        </p:nvSpPr>
+        <p:spPr/>
+        <p:txBody>
+          <a:bodyPr/>
+          <a:lstStyle/>
+          <a:p>
+            <a:endParaRPr lang="en-US"/>
+          </a:p>
+        </p:txBody>
+      </p:sp>
+      <p:sp>
+        <p:nvSpPr>
+          <p:cNvPr id="4" name="Slide Number Placeholder 3">
+            <a:extLst>
+              <a:ext uri="{FF2B5EF4-FFF2-40B4-BE49-F238E27FC236}">
+                <a16:creationId xmlns:a16="http://schemas.microsoft.com/office/drawing/2014/main" id="{E420DEBA-CF31-4A42-B1AE-B48C99DE798A}"/>
+              </a:ext>
+            </a:extLst>
+          </p:cNvPr>
+          <p:cNvSpPr>
+            <a:spLocks noGrp="1"/>
+          </p:cNvSpPr>
+          <p:nvPr>
+            <p:ph type="sldNum" sz="quarter" idx="12"/>
+          </p:nvPr>
+        </p:nvSpPr>
+        <p:spPr/>
+        <p:txBody>
+          <a:bodyPr/>
+          <a:lstStyle/>
+          <a:p>
+            <a:fld id="{35020B04-FACA-4270-81D7-2C6A40D53215}" type="slidenum">
+              <a:rPr lang="en-US" smtClean="0"/>
+              <a:pPr/>
+              <a:t>4</a:t>
+            </a:fld>
+            <a:endParaRPr lang="en-US"/>
+          </a:p>
+        </p:txBody>
+      </p:sp>
+    </p:spTree>
+    <p:extLst>
+      <p:ext uri="{BB962C8B-B14F-4D97-AF65-F5344CB8AC3E}">
+        <p14:creationId xmlns:p14="http://schemas.microsoft.com/office/powerpoint/2010/main" val="3913606911"/>
       </p:ext>
     </p:extLst>
   </p:cSld>

--- a/Team27_PostSimulationAnalysis.pptx
+++ b/Team27_PostSimulationAnalysis.pptx
@@ -5,13 +5,10 @@
     <p:sldMasterId id="2147483648" r:id="rId1"/>
   </p:sldMasterIdLst>
   <p:notesMasterIdLst>
-    <p:notesMasterId r:id="rId6"/>
+    <p:notesMasterId r:id="rId3"/>
   </p:notesMasterIdLst>
   <p:sldIdLst>
     <p:sldId id="256" r:id="rId2"/>
-    <p:sldId id="257" r:id="rId3"/>
-    <p:sldId id="258" r:id="rId4"/>
-    <p:sldId id="259" r:id="rId5"/>
   </p:sldIdLst>
   <p:sldSz cx="12192000" cy="6858000"/>
   <p:notesSz cx="6858000" cy="9144000"/>
@@ -110,11 +107,6 @@
       </a:defRPr>
     </a:lvl9pPr>
   </p:defaultTextStyle>
-  <p:extLst>
-    <p:ext uri="{EFAFB233-063F-42B5-8137-9DF3F51BA10A}">
-      <p15:sldGuideLst xmlns:p15="http://schemas.microsoft.com/office/powerpoint/2012/main"/>
-    </p:ext>
-  </p:extLst>
 </p:presentation>
 </file>
 
@@ -3831,345 +3823,6 @@
     <p:extLst>
       <p:ext uri="{BB962C8B-B14F-4D97-AF65-F5344CB8AC3E}">
         <p14:creationId xmlns:p14="http://schemas.microsoft.com/office/powerpoint/2010/main" val="3317326091"/>
-      </p:ext>
-    </p:extLst>
-  </p:cSld>
-  <p:clrMapOvr>
-    <a:masterClrMapping/>
-  </p:clrMapOvr>
-</p:sld>
-</file>
-
-<file path=ppt/slides/slide2.xml><?xml version="1.0" encoding="utf-8"?>
-<p:sld xmlns:a="http://schemas.openxmlformats.org/drawingml/2006/main" xmlns:r="http://schemas.openxmlformats.org/officeDocument/2006/relationships" xmlns:p="http://schemas.openxmlformats.org/presentationml/2006/main">
-  <p:cSld>
-    <p:spTree>
-      <p:nvGrpSpPr>
-        <p:cNvPr id="1" name=""/>
-        <p:cNvGrpSpPr/>
-        <p:nvPr/>
-      </p:nvGrpSpPr>
-      <p:grpSpPr>
-        <a:xfrm>
-          <a:off x="0" y="0"/>
-          <a:ext cx="0" cy="0"/>
-          <a:chOff x="0" y="0"/>
-          <a:chExt cx="0" cy="0"/>
-        </a:xfrm>
-      </p:grpSpPr>
-      <p:sp>
-        <p:nvSpPr>
-          <p:cNvPr id="2" name="Title 1">
-            <a:extLst>
-              <a:ext uri="{FF2B5EF4-FFF2-40B4-BE49-F238E27FC236}">
-                <a16:creationId xmlns:a16="http://schemas.microsoft.com/office/drawing/2014/main" id="{B5C97491-C3DB-4E30-BFF0-8FD82375E3CE}"/>
-              </a:ext>
-            </a:extLst>
-          </p:cNvPr>
-          <p:cNvSpPr>
-            <a:spLocks noGrp="1"/>
-          </p:cNvSpPr>
-          <p:nvPr>
-            <p:ph type="title"/>
-          </p:nvPr>
-        </p:nvSpPr>
-        <p:spPr/>
-        <p:txBody>
-          <a:bodyPr/>
-          <a:lstStyle/>
-          <a:p>
-            <a:r>
-              <a:rPr lang="en-US" dirty="0"/>
-              <a:t>About Us</a:t>
-            </a:r>
-          </a:p>
-        </p:txBody>
-      </p:sp>
-      <p:sp>
-        <p:nvSpPr>
-          <p:cNvPr id="3" name="Content Placeholder 2">
-            <a:extLst>
-              <a:ext uri="{FF2B5EF4-FFF2-40B4-BE49-F238E27FC236}">
-                <a16:creationId xmlns:a16="http://schemas.microsoft.com/office/drawing/2014/main" id="{A47048BE-FBB0-4F0D-A29D-E4850B7552F0}"/>
-              </a:ext>
-            </a:extLst>
-          </p:cNvPr>
-          <p:cNvSpPr>
-            <a:spLocks noGrp="1"/>
-          </p:cNvSpPr>
-          <p:nvPr>
-            <p:ph idx="1"/>
-          </p:nvPr>
-        </p:nvSpPr>
-        <p:spPr/>
-        <p:txBody>
-          <a:bodyPr/>
-          <a:lstStyle/>
-          <a:p>
-            <a:endParaRPr lang="en-US"/>
-          </a:p>
-        </p:txBody>
-      </p:sp>
-      <p:sp>
-        <p:nvSpPr>
-          <p:cNvPr id="4" name="Slide Number Placeholder 3">
-            <a:extLst>
-              <a:ext uri="{FF2B5EF4-FFF2-40B4-BE49-F238E27FC236}">
-                <a16:creationId xmlns:a16="http://schemas.microsoft.com/office/drawing/2014/main" id="{3D64BD61-FA37-42BA-95AC-0038D6A5C6B2}"/>
-              </a:ext>
-            </a:extLst>
-          </p:cNvPr>
-          <p:cNvSpPr>
-            <a:spLocks noGrp="1"/>
-          </p:cNvSpPr>
-          <p:nvPr>
-            <p:ph type="sldNum" sz="quarter" idx="12"/>
-          </p:nvPr>
-        </p:nvSpPr>
-        <p:spPr/>
-        <p:txBody>
-          <a:bodyPr/>
-          <a:lstStyle/>
-          <a:p>
-            <a:fld id="{35020B04-FACA-4270-81D7-2C6A40D53215}" type="slidenum">
-              <a:rPr lang="en-US" smtClean="0"/>
-              <a:pPr/>
-              <a:t>2</a:t>
-            </a:fld>
-            <a:endParaRPr lang="en-US"/>
-          </a:p>
-        </p:txBody>
-      </p:sp>
-    </p:spTree>
-    <p:extLst>
-      <p:ext uri="{BB962C8B-B14F-4D97-AF65-F5344CB8AC3E}">
-        <p14:creationId xmlns:p14="http://schemas.microsoft.com/office/powerpoint/2010/main" val="1883230328"/>
-      </p:ext>
-    </p:extLst>
-  </p:cSld>
-  <p:clrMapOvr>
-    <a:masterClrMapping/>
-  </p:clrMapOvr>
-</p:sld>
-</file>
-
-<file path=ppt/slides/slide3.xml><?xml version="1.0" encoding="utf-8"?>
-<p:sld xmlns:a="http://schemas.openxmlformats.org/drawingml/2006/main" xmlns:r="http://schemas.openxmlformats.org/officeDocument/2006/relationships" xmlns:p="http://schemas.openxmlformats.org/presentationml/2006/main">
-  <p:cSld>
-    <p:spTree>
-      <p:nvGrpSpPr>
-        <p:cNvPr id="1" name=""/>
-        <p:cNvGrpSpPr/>
-        <p:nvPr/>
-      </p:nvGrpSpPr>
-      <p:grpSpPr>
-        <a:xfrm>
-          <a:off x="0" y="0"/>
-          <a:ext cx="0" cy="0"/>
-          <a:chOff x="0" y="0"/>
-          <a:chExt cx="0" cy="0"/>
-        </a:xfrm>
-      </p:grpSpPr>
-      <p:sp>
-        <p:nvSpPr>
-          <p:cNvPr id="2" name="Title 1">
-            <a:extLst>
-              <a:ext uri="{FF2B5EF4-FFF2-40B4-BE49-F238E27FC236}">
-                <a16:creationId xmlns:a16="http://schemas.microsoft.com/office/drawing/2014/main" id="{55B08E0D-2CFE-493C-87ED-D43ECBAF89B7}"/>
-              </a:ext>
-            </a:extLst>
-          </p:cNvPr>
-          <p:cNvSpPr>
-            <a:spLocks noGrp="1"/>
-          </p:cNvSpPr>
-          <p:nvPr>
-            <p:ph type="title"/>
-          </p:nvPr>
-        </p:nvSpPr>
-        <p:spPr/>
-        <p:txBody>
-          <a:bodyPr/>
-          <a:lstStyle/>
-          <a:p>
-            <a:r>
-              <a:rPr lang="en-US" dirty="0"/>
-              <a:t>Our Performance</a:t>
-            </a:r>
-          </a:p>
-        </p:txBody>
-      </p:sp>
-      <p:sp>
-        <p:nvSpPr>
-          <p:cNvPr id="3" name="Content Placeholder 2">
-            <a:extLst>
-              <a:ext uri="{FF2B5EF4-FFF2-40B4-BE49-F238E27FC236}">
-                <a16:creationId xmlns:a16="http://schemas.microsoft.com/office/drawing/2014/main" id="{63AB06B8-A107-4B1E-8B1B-4E5CA6A4333C}"/>
-              </a:ext>
-            </a:extLst>
-          </p:cNvPr>
-          <p:cNvSpPr>
-            <a:spLocks noGrp="1"/>
-          </p:cNvSpPr>
-          <p:nvPr>
-            <p:ph idx="1"/>
-          </p:nvPr>
-        </p:nvSpPr>
-        <p:spPr/>
-        <p:txBody>
-          <a:bodyPr/>
-          <a:lstStyle/>
-          <a:p>
-            <a:endParaRPr lang="en-US"/>
-          </a:p>
-        </p:txBody>
-      </p:sp>
-      <p:sp>
-        <p:nvSpPr>
-          <p:cNvPr id="4" name="Slide Number Placeholder 3">
-            <a:extLst>
-              <a:ext uri="{FF2B5EF4-FFF2-40B4-BE49-F238E27FC236}">
-                <a16:creationId xmlns:a16="http://schemas.microsoft.com/office/drawing/2014/main" id="{AAFD0EDC-8CF2-4810-8DD6-FA5F657F2980}"/>
-              </a:ext>
-            </a:extLst>
-          </p:cNvPr>
-          <p:cNvSpPr>
-            <a:spLocks noGrp="1"/>
-          </p:cNvSpPr>
-          <p:nvPr>
-            <p:ph type="sldNum" sz="quarter" idx="12"/>
-          </p:nvPr>
-        </p:nvSpPr>
-        <p:spPr/>
-        <p:txBody>
-          <a:bodyPr/>
-          <a:lstStyle/>
-          <a:p>
-            <a:fld id="{35020B04-FACA-4270-81D7-2C6A40D53215}" type="slidenum">
-              <a:rPr lang="en-US" smtClean="0"/>
-              <a:pPr/>
-              <a:t>3</a:t>
-            </a:fld>
-            <a:endParaRPr lang="en-US"/>
-          </a:p>
-        </p:txBody>
-      </p:sp>
-    </p:spTree>
-    <p:extLst>
-      <p:ext uri="{BB962C8B-B14F-4D97-AF65-F5344CB8AC3E}">
-        <p14:creationId xmlns:p14="http://schemas.microsoft.com/office/powerpoint/2010/main" val="2165790438"/>
-      </p:ext>
-    </p:extLst>
-  </p:cSld>
-  <p:clrMapOvr>
-    <a:masterClrMapping/>
-  </p:clrMapOvr>
-</p:sld>
-</file>
-
-<file path=ppt/slides/slide4.xml><?xml version="1.0" encoding="utf-8"?>
-<p:sld xmlns:a="http://schemas.openxmlformats.org/drawingml/2006/main" xmlns:r="http://schemas.openxmlformats.org/officeDocument/2006/relationships" xmlns:p="http://schemas.openxmlformats.org/presentationml/2006/main">
-  <p:cSld>
-    <p:spTree>
-      <p:nvGrpSpPr>
-        <p:cNvPr id="1" name=""/>
-        <p:cNvGrpSpPr/>
-        <p:nvPr/>
-      </p:nvGrpSpPr>
-      <p:grpSpPr>
-        <a:xfrm>
-          <a:off x="0" y="0"/>
-          <a:ext cx="0" cy="0"/>
-          <a:chOff x="0" y="0"/>
-          <a:chExt cx="0" cy="0"/>
-        </a:xfrm>
-      </p:grpSpPr>
-      <p:sp>
-        <p:nvSpPr>
-          <p:cNvPr id="2" name="Title 1">
-            <a:extLst>
-              <a:ext uri="{FF2B5EF4-FFF2-40B4-BE49-F238E27FC236}">
-                <a16:creationId xmlns:a16="http://schemas.microsoft.com/office/drawing/2014/main" id="{4E32EE16-2BE3-4693-A288-4F4EC6E8174F}"/>
-              </a:ext>
-            </a:extLst>
-          </p:cNvPr>
-          <p:cNvSpPr>
-            <a:spLocks noGrp="1"/>
-          </p:cNvSpPr>
-          <p:nvPr>
-            <p:ph type="title"/>
-          </p:nvPr>
-        </p:nvSpPr>
-        <p:spPr/>
-        <p:txBody>
-          <a:bodyPr/>
-          <a:lstStyle/>
-          <a:p>
-            <a:r>
-              <a:rPr lang="en-US"/>
-              <a:t>Our Strategy</a:t>
-            </a:r>
-          </a:p>
-        </p:txBody>
-      </p:sp>
-      <p:sp>
-        <p:nvSpPr>
-          <p:cNvPr id="3" name="Content Placeholder 2">
-            <a:extLst>
-              <a:ext uri="{FF2B5EF4-FFF2-40B4-BE49-F238E27FC236}">
-                <a16:creationId xmlns:a16="http://schemas.microsoft.com/office/drawing/2014/main" id="{2641EF71-19DF-41AD-9670-E406A9DE4762}"/>
-              </a:ext>
-            </a:extLst>
-          </p:cNvPr>
-          <p:cNvSpPr>
-            <a:spLocks noGrp="1"/>
-          </p:cNvSpPr>
-          <p:nvPr>
-            <p:ph idx="1"/>
-          </p:nvPr>
-        </p:nvSpPr>
-        <p:spPr/>
-        <p:txBody>
-          <a:bodyPr/>
-          <a:lstStyle/>
-          <a:p>
-            <a:endParaRPr lang="en-US"/>
-          </a:p>
-        </p:txBody>
-      </p:sp>
-      <p:sp>
-        <p:nvSpPr>
-          <p:cNvPr id="4" name="Slide Number Placeholder 3">
-            <a:extLst>
-              <a:ext uri="{FF2B5EF4-FFF2-40B4-BE49-F238E27FC236}">
-                <a16:creationId xmlns:a16="http://schemas.microsoft.com/office/drawing/2014/main" id="{E420DEBA-CF31-4A42-B1AE-B48C99DE798A}"/>
-              </a:ext>
-            </a:extLst>
-          </p:cNvPr>
-          <p:cNvSpPr>
-            <a:spLocks noGrp="1"/>
-          </p:cNvSpPr>
-          <p:nvPr>
-            <p:ph type="sldNum" sz="quarter" idx="12"/>
-          </p:nvPr>
-        </p:nvSpPr>
-        <p:spPr/>
-        <p:txBody>
-          <a:bodyPr/>
-          <a:lstStyle/>
-          <a:p>
-            <a:fld id="{35020B04-FACA-4270-81D7-2C6A40D53215}" type="slidenum">
-              <a:rPr lang="en-US" smtClean="0"/>
-              <a:pPr/>
-              <a:t>4</a:t>
-            </a:fld>
-            <a:endParaRPr lang="en-US"/>
-          </a:p>
-        </p:txBody>
-      </p:sp>
-    </p:spTree>
-    <p:extLst>
-      <p:ext uri="{BB962C8B-B14F-4D97-AF65-F5344CB8AC3E}">
-        <p14:creationId xmlns:p14="http://schemas.microsoft.com/office/powerpoint/2010/main" val="3913606911"/>
       </p:ext>
     </p:extLst>
   </p:cSld>
